--- a/Наработки/диздоки/Индия/Индия.pptx
+++ b/Наработки/диздоки/Индия/Индия.pptx
@@ -110,7 +110,18 @@
   </p:defaultTextStyle>
   <p:extLst>
     <p:ext uri="{EFAFB233-063F-42B5-8137-9DF3F51BA10A}">
-      <p15:sldGuideLst xmlns:p15="http://schemas.microsoft.com/office/powerpoint/2012/main" xmlns=""/>
+      <p15:sldGuideLst xmlns:p15="http://schemas.microsoft.com/office/powerpoint/2012/main">
+        <p15:guide id="1" orient="horz" pos="11344">
+          <p15:clr>
+            <a:srgbClr val="A4A3A4"/>
+          </p15:clr>
+        </p15:guide>
+        <p15:guide id="2" pos="16127">
+          <p15:clr>
+            <a:srgbClr val="A4A3A4"/>
+          </p15:clr>
+        </p15:guide>
+      </p15:sldGuideLst>
     </p:ext>
   </p:extLst>
 </p:presentation>
@@ -199,7 +210,7 @@
             <a:fld id="{33E3D7F9-E251-484C-A6FF-FA958879DF69}" type="datetimeFigureOut">
               <a:rPr lang="ru-RU" smtClean="0"/>
               <a:pPr/>
-              <a:t>17.10.2019</a:t>
+              <a:t>03.09.2021</a:t>
             </a:fld>
             <a:endParaRPr lang="ru-RU"/>
           </a:p>
@@ -690,7 +701,7 @@
             <a:fld id="{85A5DE44-605B-4D3B-B2B7-94543DF81A36}" type="datetimeFigureOut">
               <a:rPr lang="ru-RU" smtClean="0"/>
               <a:pPr/>
-              <a:t>17.10.2019</a:t>
+              <a:t>03.09.2021</a:t>
             </a:fld>
             <a:endParaRPr lang="ru-RU"/>
           </a:p>
@@ -862,7 +873,7 @@
             <a:fld id="{85A5DE44-605B-4D3B-B2B7-94543DF81A36}" type="datetimeFigureOut">
               <a:rPr lang="ru-RU" smtClean="0"/>
               <a:pPr/>
-              <a:t>17.10.2019</a:t>
+              <a:t>03.09.2021</a:t>
             </a:fld>
             <a:endParaRPr lang="ru-RU"/>
           </a:p>
@@ -1044,7 +1055,7 @@
             <a:fld id="{85A5DE44-605B-4D3B-B2B7-94543DF81A36}" type="datetimeFigureOut">
               <a:rPr lang="ru-RU" smtClean="0"/>
               <a:pPr/>
-              <a:t>17.10.2019</a:t>
+              <a:t>03.09.2021</a:t>
             </a:fld>
             <a:endParaRPr lang="ru-RU"/>
           </a:p>
@@ -1216,7 +1227,7 @@
             <a:fld id="{85A5DE44-605B-4D3B-B2B7-94543DF81A36}" type="datetimeFigureOut">
               <a:rPr lang="ru-RU" smtClean="0"/>
               <a:pPr/>
-              <a:t>17.10.2019</a:t>
+              <a:t>03.09.2021</a:t>
             </a:fld>
             <a:endParaRPr lang="ru-RU"/>
           </a:p>
@@ -1464,7 +1475,7 @@
             <a:fld id="{85A5DE44-605B-4D3B-B2B7-94543DF81A36}" type="datetimeFigureOut">
               <a:rPr lang="ru-RU" smtClean="0"/>
               <a:pPr/>
-              <a:t>17.10.2019</a:t>
+              <a:t>03.09.2021</a:t>
             </a:fld>
             <a:endParaRPr lang="ru-RU"/>
           </a:p>
@@ -1698,7 +1709,7 @@
             <a:fld id="{85A5DE44-605B-4D3B-B2B7-94543DF81A36}" type="datetimeFigureOut">
               <a:rPr lang="ru-RU" smtClean="0"/>
               <a:pPr/>
-              <a:t>17.10.2019</a:t>
+              <a:t>03.09.2021</a:t>
             </a:fld>
             <a:endParaRPr lang="ru-RU"/>
           </a:p>
@@ -2067,7 +2078,7 @@
             <a:fld id="{85A5DE44-605B-4D3B-B2B7-94543DF81A36}" type="datetimeFigureOut">
               <a:rPr lang="ru-RU" smtClean="0"/>
               <a:pPr/>
-              <a:t>17.10.2019</a:t>
+              <a:t>03.09.2021</a:t>
             </a:fld>
             <a:endParaRPr lang="ru-RU"/>
           </a:p>
@@ -2187,7 +2198,7 @@
             <a:fld id="{85A5DE44-605B-4D3B-B2B7-94543DF81A36}" type="datetimeFigureOut">
               <a:rPr lang="ru-RU" smtClean="0"/>
               <a:pPr/>
-              <a:t>17.10.2019</a:t>
+              <a:t>03.09.2021</a:t>
             </a:fld>
             <a:endParaRPr lang="ru-RU"/>
           </a:p>
@@ -2284,7 +2295,7 @@
             <a:fld id="{85A5DE44-605B-4D3B-B2B7-94543DF81A36}" type="datetimeFigureOut">
               <a:rPr lang="ru-RU" smtClean="0"/>
               <a:pPr/>
-              <a:t>17.10.2019</a:t>
+              <a:t>03.09.2021</a:t>
             </a:fld>
             <a:endParaRPr lang="ru-RU"/>
           </a:p>
@@ -2563,7 +2574,7 @@
             <a:fld id="{85A5DE44-605B-4D3B-B2B7-94543DF81A36}" type="datetimeFigureOut">
               <a:rPr lang="ru-RU" smtClean="0"/>
               <a:pPr/>
-              <a:t>17.10.2019</a:t>
+              <a:t>03.09.2021</a:t>
             </a:fld>
             <a:endParaRPr lang="ru-RU"/>
           </a:p>
@@ -2822,7 +2833,7 @@
             <a:fld id="{85A5DE44-605B-4D3B-B2B7-94543DF81A36}" type="datetimeFigureOut">
               <a:rPr lang="ru-RU" smtClean="0"/>
               <a:pPr/>
-              <a:t>17.10.2019</a:t>
+              <a:t>03.09.2021</a:t>
             </a:fld>
             <a:endParaRPr lang="ru-RU"/>
           </a:p>
@@ -3037,7 +3048,7 @@
             <a:fld id="{85A5DE44-605B-4D3B-B2B7-94543DF81A36}" type="datetimeFigureOut">
               <a:rPr lang="ru-RU" smtClean="0"/>
               <a:pPr/>
-              <a:t>17.10.2019</a:t>
+              <a:t>03.09.2021</a:t>
             </a:fld>
             <a:endParaRPr lang="ru-RU"/>
           </a:p>
@@ -6041,6 +6052,49 @@
           </a:fontRef>
         </p:style>
       </p:cxnSp>
+      <p:sp>
+        <p:nvSpPr>
+          <p:cNvPr id="62" name="Прямоугольник 61"/>
+          <p:cNvSpPr/>
+          <p:nvPr/>
+        </p:nvSpPr>
+        <p:spPr>
+          <a:xfrm>
+            <a:off x="4871045" y="3503953"/>
+            <a:ext cx="2115918" cy="1080000"/>
+          </a:xfrm>
+          <a:prstGeom prst="rect">
+            <a:avLst/>
+          </a:prstGeom>
+          <a:ln w="28575"/>
+        </p:spPr>
+        <p:style>
+          <a:lnRef idx="2">
+            <a:schemeClr val="accent1"/>
+          </a:lnRef>
+          <a:fillRef idx="1">
+            <a:schemeClr val="lt1"/>
+          </a:fillRef>
+          <a:effectRef idx="0">
+            <a:schemeClr val="accent1"/>
+          </a:effectRef>
+          <a:fontRef idx="minor">
+            <a:schemeClr val="dk1"/>
+          </a:fontRef>
+        </p:style>
+        <p:txBody>
+          <a:bodyPr lIns="124733" tIns="62367" rIns="124733" bIns="62367" rtlCol="0" anchor="ctr"/>
+          <a:lstStyle/>
+          <a:p>
+            <a:pPr algn="ctr"/>
+            <a:r>
+              <a:rPr lang="en-US" sz="1400" dirty="0"/>
+              <a:t>https://en.m.wikipedia.org/wiki/Congress_Socialist_Party</a:t>
+            </a:r>
+            <a:endParaRPr lang="ru-RU" sz="1400" dirty="0" smtClean="0"/>
+          </a:p>
+        </p:txBody>
+      </p:sp>
     </p:spTree>
     <p:extLst>
       <p:ext uri="{BB962C8B-B14F-4D97-AF65-F5344CB8AC3E}">
@@ -6640,7 +6694,7 @@
   <a:extraClrSchemeLst/>
   <a:extLst>
     <a:ext uri="{05A4C25C-085E-4340-85A3-A5531E510DB2}">
-      <thm15:themeFamily xmlns:thm15="http://schemas.microsoft.com/office/thememl/2012/main" xmlns="" name="Office Theme" id="{62F939B6-93AF-4DB8-9C6B-D6C7DFDC589F}" vid="{4A3C46E8-61CC-4603-A589-7422A47A8E4A}"/>
+      <thm15:themeFamily xmlns:thm15="http://schemas.microsoft.com/office/thememl/2012/main" name="Office Theme" id="{62F939B6-93AF-4DB8-9C6B-D6C7DFDC589F}" vid="{4A3C46E8-61CC-4603-A589-7422A47A8E4A}"/>
     </a:ext>
   </a:extLst>
 </a:theme>
@@ -6901,7 +6955,7 @@
   <a:extraClrSchemeLst/>
   <a:extLst>
     <a:ext uri="{05A4C25C-085E-4340-85A3-A5531E510DB2}">
-      <thm15:themeFamily xmlns:thm15="http://schemas.microsoft.com/office/thememl/2012/main" xmlns="" name="Office Theme" id="{62F939B6-93AF-4DB8-9C6B-D6C7DFDC589F}" vid="{4A3C46E8-61CC-4603-A589-7422A47A8E4A}"/>
+      <thm15:themeFamily xmlns:thm15="http://schemas.microsoft.com/office/thememl/2012/main" name="Office Theme" id="{62F939B6-93AF-4DB8-9C6B-D6C7DFDC589F}" vid="{4A3C46E8-61CC-4603-A589-7422A47A8E4A}"/>
     </a:ext>
   </a:extLst>
 </a:theme>
